--- a/Boost.pptx
+++ b/Boost.pptx
@@ -22,6 +22,11 @@
     <p:sldId id="270" r:id="rId16"/>
     <p:sldId id="271" r:id="rId17"/>
     <p:sldId id="272" r:id="rId18"/>
+    <p:sldId id="273" r:id="rId19"/>
+    <p:sldId id="274" r:id="rId20"/>
+    <p:sldId id="275" r:id="rId21"/>
+    <p:sldId id="276" r:id="rId22"/>
+    <p:sldId id="277" r:id="rId23"/>
   </p:sldIdLst>
   <p:sldSz cx="12192000" cy="6858000"/>
   <p:notesSz cx="6858000" cy="9144000"/>
@@ -120,6 +125,11 @@
       </a:defRPr>
     </a:lvl9pPr>
   </p:defaultTextStyle>
+  <p:extLst>
+    <p:ext uri="{EFAFB233-063F-42B5-8137-9DF3F51BA10A}">
+      <p15:sldGuideLst xmlns:p15="http://schemas.microsoft.com/office/powerpoint/2012/main"/>
+    </p:ext>
+  </p:extLst>
 </p:presentation>
 </file>
 
@@ -459,7 +469,7 @@
             <a:fld id="{5923F103-BC34-4FE4-A40E-EDDEECFDA5D0}" type="datetimeFigureOut">
               <a:rPr lang="en-US" dirty="0"/>
               <a:pPr/>
-              <a:t>7/27/2016</a:t>
+              <a:t>7/29/2016</a:t>
             </a:fld>
             <a:endParaRPr lang="en-US" dirty="0"/>
           </a:p>
@@ -1547,7 +1557,7 @@
           <a:p>
             <a:fld id="{923A1CC3-2375-41D4-9E03-427CAF2A4C1A}" type="datetimeFigureOut">
               <a:rPr lang="en-US" dirty="0"/>
-              <a:t>7/27/2016</a:t>
+              <a:t>7/29/2016</a:t>
             </a:fld>
             <a:endParaRPr lang="en-US" dirty="0"/>
           </a:p>
@@ -2527,7 +2537,7 @@
           <a:p>
             <a:fld id="{AFF16868-8199-4C2C-A5B1-63AEE139F88E}" type="datetimeFigureOut">
               <a:rPr lang="en-US" dirty="0"/>
-              <a:t>7/27/2016</a:t>
+              <a:t>7/29/2016</a:t>
             </a:fld>
             <a:endParaRPr lang="en-US" dirty="0"/>
           </a:p>
@@ -3661,7 +3671,7 @@
           <a:p>
             <a:fld id="{AAD9FF7F-6988-44CC-821B-644E70CD2F73}" type="datetimeFigureOut">
               <a:rPr lang="en-US" dirty="0"/>
-              <a:t>7/27/2016</a:t>
+              <a:t>7/29/2016</a:t>
             </a:fld>
             <a:endParaRPr lang="en-US" dirty="0"/>
           </a:p>
@@ -4694,7 +4704,7 @@
           <a:p>
             <a:fld id="{5C12C299-16B2-4475-990D-751901EACC14}" type="datetimeFigureOut">
               <a:rPr lang="en-US" dirty="0"/>
-              <a:t>7/27/2016</a:t>
+              <a:t>7/29/2016</a:t>
             </a:fld>
             <a:endParaRPr lang="en-US" dirty="0"/>
           </a:p>
@@ -5354,7 +5364,7 @@
           <a:p>
             <a:fld id="{9FE86839-B9D8-4651-8783-F325ECE74E65}" type="datetimeFigureOut">
               <a:rPr lang="en-US" dirty="0"/>
-              <a:t>7/27/2016</a:t>
+              <a:t>7/29/2016</a:t>
             </a:fld>
             <a:endParaRPr lang="en-US" dirty="0"/>
           </a:p>
@@ -6215,7 +6225,7 @@
           <a:p>
             <a:fld id="{FD484F64-32F6-45C5-931F-ADC1662401D0}" type="datetimeFigureOut">
               <a:rPr lang="en-US" dirty="0"/>
-              <a:t>7/27/2016</a:t>
+              <a:t>7/29/2016</a:t>
             </a:fld>
             <a:endParaRPr lang="en-US" dirty="0"/>
           </a:p>
@@ -6405,7 +6415,7 @@
           <a:p>
             <a:fld id="{53086D93-FCAC-47E0-A2EE-787E62CA814C}" type="datetimeFigureOut">
               <a:rPr lang="en-US" dirty="0"/>
-              <a:t>7/27/2016</a:t>
+              <a:t>7/29/2016</a:t>
             </a:fld>
             <a:endParaRPr lang="en-US" dirty="0"/>
           </a:p>
@@ -7377,7 +7387,7 @@
           <a:p>
             <a:fld id="{CDA879A6-0FD0-4734-A311-86BFCA472E6E}" type="datetimeFigureOut">
               <a:rPr lang="en-US" dirty="0"/>
-              <a:t>7/27/2016</a:t>
+              <a:t>7/29/2016</a:t>
             </a:fld>
             <a:endParaRPr lang="en-US" dirty="0"/>
           </a:p>
@@ -7588,7 +7598,7 @@
           <a:p>
             <a:fld id="{19C9CA7B-DFD4-44B5-8C60-D14B8CD1FB59}" type="datetimeFigureOut">
               <a:rPr lang="en-US" dirty="0"/>
-              <a:t>7/27/2016</a:t>
+              <a:t>7/29/2016</a:t>
             </a:fld>
             <a:endParaRPr lang="en-US" dirty="0"/>
           </a:p>
@@ -8622,7 +8632,7 @@
           <a:p>
             <a:fld id="{F34E6425-0181-43F2-84FC-787E803FD2F8}" type="datetimeFigureOut">
               <a:rPr lang="en-US" dirty="0"/>
-              <a:t>7/27/2016</a:t>
+              <a:t>7/29/2016</a:t>
             </a:fld>
             <a:endParaRPr lang="en-US" dirty="0"/>
           </a:p>
@@ -8894,7 +8904,7 @@
           <a:p>
             <a:fld id="{3BDB8791-F1B0-41E7-B7FD-A781E65C4266}" type="datetimeFigureOut">
               <a:rPr lang="en-US" dirty="0"/>
-              <a:t>7/27/2016</a:t>
+              <a:t>7/29/2016</a:t>
             </a:fld>
             <a:endParaRPr lang="en-US" dirty="0"/>
           </a:p>
@@ -9304,7 +9314,7 @@
           <a:p>
             <a:fld id="{5FDD63B2-E120-4ED8-B27B-C685F510A5FE}" type="datetimeFigureOut">
               <a:rPr lang="en-US" dirty="0"/>
-              <a:t>7/27/2016</a:t>
+              <a:t>7/29/2016</a:t>
             </a:fld>
             <a:endParaRPr lang="en-US" dirty="0"/>
           </a:p>
@@ -9431,7 +9441,7 @@
           <a:p>
             <a:fld id="{7AA18ACC-A947-437B-A130-35BD54FDF1E9}" type="datetimeFigureOut">
               <a:rPr lang="en-US" dirty="0"/>
-              <a:t>7/27/2016</a:t>
+              <a:t>7/29/2016</a:t>
             </a:fld>
             <a:endParaRPr lang="en-US" dirty="0"/>
           </a:p>
@@ -9526,7 +9536,7 @@
           <a:p>
             <a:fld id="{7C8D7E02-BCB8-4D50-A234-369438C08659}" type="datetimeFigureOut">
               <a:rPr lang="en-US" dirty="0"/>
-              <a:t>7/27/2016</a:t>
+              <a:t>7/29/2016</a:t>
             </a:fld>
             <a:endParaRPr lang="en-US" dirty="0"/>
           </a:p>
@@ -10607,7 +10617,7 @@
           <a:p>
             <a:fld id="{76E86A4C-8E40-4F87-A4F0-01A0687C5742}" type="datetimeFigureOut">
               <a:rPr lang="en-US" dirty="0"/>
-              <a:t>7/27/2016</a:t>
+              <a:t>7/29/2016</a:t>
             </a:fld>
             <a:endParaRPr lang="en-US" dirty="0"/>
           </a:p>
@@ -11715,7 +11725,7 @@
           <a:p>
             <a:fld id="{35E72C73-2D91-4E12-BA25-F0AA0C03599B}" type="datetimeFigureOut">
               <a:rPr lang="en-US" dirty="0"/>
-              <a:t>7/27/2016</a:t>
+              <a:t>7/29/2016</a:t>
             </a:fld>
             <a:endParaRPr lang="en-US" dirty="0"/>
           </a:p>
@@ -12712,7 +12722,7 @@
           <a:p>
             <a:fld id="{2BE451C3-0FF4-47C4-B829-773ADF60F88C}" type="datetimeFigureOut">
               <a:rPr lang="en-US" dirty="0"/>
-              <a:t>7/27/2016</a:t>
+              <a:t>7/29/2016</a:t>
             </a:fld>
             <a:endParaRPr lang="en-US" dirty="0"/>
           </a:p>
@@ -15558,13 +15568,13 @@
         </p:nvSpPr>
         <p:spPr>
           <a:xfrm>
-            <a:off x="1154954" y="2603500"/>
-            <a:ext cx="8825659" cy="3778250"/>
+            <a:off x="1154954" y="2343150"/>
+            <a:ext cx="8825659" cy="4286250"/>
           </a:xfrm>
         </p:spPr>
         <p:txBody>
           <a:bodyPr>
-            <a:normAutofit fontScale="92500" lnSpcReduction="20000"/>
+            <a:normAutofit/>
           </a:bodyPr>
           <a:lstStyle/>
           <a:p>
@@ -15893,7 +15903,19 @@
           <a:bodyPr/>
           <a:lstStyle/>
           <a:p>
-            <a:endParaRPr lang="en-US"/>
+            <a:r>
+              <a:rPr lang="en-US" dirty="0" err="1" smtClean="0"/>
+              <a:t>Chrono</a:t>
+            </a:r>
+            <a:r>
+              <a:rPr lang="en-US" dirty="0" smtClean="0"/>
+              <a:t>/</a:t>
+            </a:r>
+            <a:r>
+              <a:rPr lang="en-US" dirty="0" err="1" smtClean="0"/>
+              <a:t>DateTime</a:t>
+            </a:r>
+            <a:endParaRPr lang="en-US" dirty="0"/>
           </a:p>
         </p:txBody>
       </p:sp>
@@ -15912,7 +15934,123 @@
           <a:bodyPr/>
           <a:lstStyle/>
           <a:p>
-            <a:endParaRPr lang="en-US"/>
+            <a:r>
+              <a:rPr lang="en-US" dirty="0" err="1" smtClean="0"/>
+              <a:t>Chrono</a:t>
+            </a:r>
+            <a:r>
+              <a:rPr lang="en-US" dirty="0" smtClean="0"/>
+              <a:t> matches C++11’s </a:t>
+            </a:r>
+            <a:r>
+              <a:rPr lang="en-US" dirty="0" err="1" smtClean="0"/>
+              <a:t>Chrono</a:t>
+            </a:r>
+            <a:r>
+              <a:rPr lang="en-US" dirty="0"/>
+              <a:t> (VS 2012, GCC 4.7) </a:t>
+            </a:r>
+            <a:endParaRPr lang="en-US" dirty="0" smtClean="0"/>
+          </a:p>
+          <a:p>
+            <a:pPr lvl="1"/>
+            <a:r>
+              <a:rPr lang="en-US" dirty="0" smtClean="0"/>
+              <a:t>Clock, </a:t>
+            </a:r>
+            <a:r>
+              <a:rPr lang="en-US" dirty="0" err="1" smtClean="0"/>
+              <a:t>TimePoint</a:t>
+            </a:r>
+            <a:r>
+              <a:rPr lang="en-US" dirty="0" smtClean="0"/>
+              <a:t>, Duration</a:t>
+            </a:r>
+          </a:p>
+          <a:p>
+            <a:pPr lvl="1"/>
+            <a:r>
+              <a:rPr lang="en-US" dirty="0" smtClean="0"/>
+              <a:t>System Clock or Steady Clock (replaces </a:t>
+            </a:r>
+            <a:r>
+              <a:rPr lang="en-US" dirty="0" err="1" smtClean="0"/>
+              <a:t>QueryPerformanceCounter</a:t>
+            </a:r>
+            <a:r>
+              <a:rPr lang="en-US" dirty="0" smtClean="0"/>
+              <a:t>)</a:t>
+            </a:r>
+          </a:p>
+          <a:p>
+            <a:pPr lvl="1"/>
+            <a:r>
+              <a:rPr lang="en-US" dirty="0" smtClean="0"/>
+              <a:t>Includes some process/thread clocks not in C++11</a:t>
+            </a:r>
+          </a:p>
+          <a:p>
+            <a:r>
+              <a:rPr lang="en-US" dirty="0" err="1" smtClean="0"/>
+              <a:t>DateTime</a:t>
+            </a:r>
+            <a:r>
+              <a:rPr lang="en-US" dirty="0"/>
+              <a:t> </a:t>
+            </a:r>
+            <a:r>
+              <a:rPr lang="en-US" dirty="0" smtClean="0"/>
+              <a:t>- Some overlap with </a:t>
+            </a:r>
+            <a:r>
+              <a:rPr lang="en-US" dirty="0" err="1" smtClean="0"/>
+              <a:t>Chrono</a:t>
+            </a:r>
+            <a:r>
+              <a:rPr lang="en-US" dirty="0" smtClean="0"/>
+              <a:t>, many more features</a:t>
+            </a:r>
+          </a:p>
+          <a:p>
+            <a:pPr lvl="1"/>
+            <a:r>
+              <a:rPr lang="en-US" dirty="0" smtClean="0"/>
+              <a:t>More POSIX compliant (100% windows compatible)</a:t>
+            </a:r>
+          </a:p>
+          <a:p>
+            <a:pPr lvl="1"/>
+            <a:r>
+              <a:rPr lang="en-US" dirty="0" err="1" smtClean="0"/>
+              <a:t>Timezones</a:t>
+            </a:r>
+            <a:r>
+              <a:rPr lang="en-US" dirty="0" smtClean="0"/>
+              <a:t> - uses </a:t>
+            </a:r>
+            <a:r>
+              <a:rPr lang="en-US" dirty="0" err="1" smtClean="0"/>
+              <a:t>tzdata</a:t>
+            </a:r>
+            <a:endParaRPr lang="en-US" dirty="0" smtClean="0"/>
+          </a:p>
+          <a:p>
+            <a:pPr lvl="1"/>
+            <a:r>
+              <a:rPr lang="en-US" dirty="0" smtClean="0"/>
+              <a:t>Calendars</a:t>
+            </a:r>
+          </a:p>
+          <a:p>
+            <a:pPr lvl="1"/>
+            <a:r>
+              <a:rPr lang="en-US" dirty="0" smtClean="0"/>
+              <a:t>Serialization/Deserialization of dates and times </a:t>
+            </a:r>
+          </a:p>
+          <a:p>
+            <a:pPr lvl="1"/>
+            <a:endParaRPr lang="en-US" dirty="0"/>
           </a:p>
         </p:txBody>
       </p:sp>
@@ -15920,6 +16058,237 @@
     <p:extLst>
       <p:ext uri="{BB962C8B-B14F-4D97-AF65-F5344CB8AC3E}">
         <p14:creationId xmlns:p14="http://schemas.microsoft.com/office/powerpoint/2010/main" val="3499294459"/>
+      </p:ext>
+    </p:extLst>
+  </p:cSld>
+  <p:clrMapOvr>
+    <a:masterClrMapping/>
+  </p:clrMapOvr>
+</p:sld>
+</file>
+
+<file path=ppt/slides/slide18.xml><?xml version="1.0" encoding="utf-8"?>
+<p:sld xmlns:a="http://schemas.openxmlformats.org/drawingml/2006/main" xmlns:r="http://schemas.openxmlformats.org/officeDocument/2006/relationships" xmlns:p="http://schemas.openxmlformats.org/presentationml/2006/main">
+  <p:cSld>
+    <p:spTree>
+      <p:nvGrpSpPr>
+        <p:cNvPr id="1" name=""/>
+        <p:cNvGrpSpPr/>
+        <p:nvPr/>
+      </p:nvGrpSpPr>
+      <p:grpSpPr>
+        <a:xfrm>
+          <a:off x="0" y="0"/>
+          <a:ext cx="0" cy="0"/>
+          <a:chOff x="0" y="0"/>
+          <a:chExt cx="0" cy="0"/>
+        </a:xfrm>
+      </p:grpSpPr>
+      <p:sp>
+        <p:nvSpPr>
+          <p:cNvPr id="2" name="Title 1"/>
+          <p:cNvSpPr>
+            <a:spLocks noGrp="1"/>
+          </p:cNvSpPr>
+          <p:nvPr>
+            <p:ph type="title"/>
+          </p:nvPr>
+        </p:nvSpPr>
+        <p:spPr/>
+        <p:txBody>
+          <a:bodyPr/>
+          <a:lstStyle/>
+          <a:p>
+            <a:r>
+              <a:rPr lang="en-US" dirty="0" smtClean="0"/>
+              <a:t>Math</a:t>
+            </a:r>
+            <a:endParaRPr lang="en-US" dirty="0"/>
+          </a:p>
+        </p:txBody>
+      </p:sp>
+      <p:sp>
+        <p:nvSpPr>
+          <p:cNvPr id="3" name="Content Placeholder 2"/>
+          <p:cNvSpPr>
+            <a:spLocks noGrp="1"/>
+          </p:cNvSpPr>
+          <p:nvPr>
+            <p:ph idx="1"/>
+          </p:nvPr>
+        </p:nvSpPr>
+        <p:spPr/>
+        <p:txBody>
+          <a:bodyPr/>
+          <a:lstStyle/>
+          <a:p>
+            <a:r>
+              <a:rPr lang="en-US" sz="2400" dirty="0" smtClean="0"/>
+              <a:t>Lots of Math functionality!</a:t>
+            </a:r>
+          </a:p>
+          <a:p>
+            <a:r>
+              <a:rPr lang="en-US" dirty="0" smtClean="0"/>
+              <a:t>Statistics</a:t>
+            </a:r>
+          </a:p>
+          <a:p>
+            <a:r>
+              <a:rPr lang="en-US" dirty="0" smtClean="0"/>
+              <a:t>Geometry</a:t>
+            </a:r>
+          </a:p>
+          <a:p>
+            <a:r>
+              <a:rPr lang="en-US" dirty="0" smtClean="0"/>
+              <a:t>Linear Algebra (</a:t>
+            </a:r>
+            <a:r>
+              <a:rPr lang="en-US" dirty="0" err="1" smtClean="0"/>
+              <a:t>uBLAS</a:t>
+            </a:r>
+            <a:r>
+              <a:rPr lang="en-US" dirty="0" smtClean="0"/>
+              <a:t>)</a:t>
+            </a:r>
+          </a:p>
+          <a:p>
+            <a:r>
+              <a:rPr lang="en-US" dirty="0" err="1" smtClean="0"/>
+              <a:t>Multiprecision</a:t>
+            </a:r>
+            <a:endParaRPr lang="en-US" dirty="0" smtClean="0"/>
+          </a:p>
+          <a:p>
+            <a:r>
+              <a:rPr lang="en-US" dirty="0" err="1" smtClean="0"/>
+              <a:t>Quaternian</a:t>
+            </a:r>
+            <a:r>
+              <a:rPr lang="en-US" dirty="0" smtClean="0"/>
+              <a:t>/</a:t>
+            </a:r>
+            <a:r>
+              <a:rPr lang="en-US" dirty="0" err="1" smtClean="0"/>
+              <a:t>Octernian</a:t>
+            </a:r>
+            <a:endParaRPr lang="en-US" dirty="0" smtClean="0"/>
+          </a:p>
+          <a:p>
+            <a:r>
+              <a:rPr lang="en-US" dirty="0" smtClean="0"/>
+              <a:t>Ordinary Differential Equations</a:t>
+            </a:r>
+            <a:endParaRPr lang="en-US" dirty="0"/>
+          </a:p>
+        </p:txBody>
+      </p:sp>
+    </p:spTree>
+    <p:extLst>
+      <p:ext uri="{BB962C8B-B14F-4D97-AF65-F5344CB8AC3E}">
+        <p14:creationId xmlns:p14="http://schemas.microsoft.com/office/powerpoint/2010/main" val="1706004448"/>
+      </p:ext>
+    </p:extLst>
+  </p:cSld>
+  <p:clrMapOvr>
+    <a:masterClrMapping/>
+  </p:clrMapOvr>
+</p:sld>
+</file>
+
+<file path=ppt/slides/slide19.xml><?xml version="1.0" encoding="utf-8"?>
+<p:sld xmlns:a="http://schemas.openxmlformats.org/drawingml/2006/main" xmlns:r="http://schemas.openxmlformats.org/officeDocument/2006/relationships" xmlns:p="http://schemas.openxmlformats.org/presentationml/2006/main">
+  <p:cSld>
+    <p:spTree>
+      <p:nvGrpSpPr>
+        <p:cNvPr id="1" name=""/>
+        <p:cNvGrpSpPr/>
+        <p:nvPr/>
+      </p:nvGrpSpPr>
+      <p:grpSpPr>
+        <a:xfrm>
+          <a:off x="0" y="0"/>
+          <a:ext cx="0" cy="0"/>
+          <a:chOff x="0" y="0"/>
+          <a:chExt cx="0" cy="0"/>
+        </a:xfrm>
+      </p:grpSpPr>
+      <p:sp>
+        <p:nvSpPr>
+          <p:cNvPr id="2" name="Title 1"/>
+          <p:cNvSpPr>
+            <a:spLocks noGrp="1"/>
+          </p:cNvSpPr>
+          <p:nvPr>
+            <p:ph type="title"/>
+          </p:nvPr>
+        </p:nvSpPr>
+        <p:spPr/>
+        <p:txBody>
+          <a:bodyPr/>
+          <a:lstStyle/>
+          <a:p>
+            <a:r>
+              <a:rPr lang="en-US" dirty="0" smtClean="0"/>
+              <a:t>Python</a:t>
+            </a:r>
+            <a:endParaRPr lang="en-US" dirty="0"/>
+          </a:p>
+        </p:txBody>
+      </p:sp>
+      <p:sp>
+        <p:nvSpPr>
+          <p:cNvPr id="3" name="Content Placeholder 2"/>
+          <p:cNvSpPr>
+            <a:spLocks noGrp="1"/>
+          </p:cNvSpPr>
+          <p:nvPr>
+            <p:ph idx="1"/>
+          </p:nvPr>
+        </p:nvSpPr>
+        <p:spPr/>
+        <p:txBody>
+          <a:bodyPr/>
+          <a:lstStyle/>
+          <a:p>
+            <a:r>
+              <a:rPr lang="en-US" dirty="0" smtClean="0"/>
+              <a:t>Interface to the Python Programming Language</a:t>
+            </a:r>
+          </a:p>
+          <a:p>
+            <a:r>
+              <a:rPr lang="en-US" dirty="0" smtClean="0"/>
+              <a:t>C++ calls Python</a:t>
+            </a:r>
+          </a:p>
+          <a:p>
+            <a:r>
+              <a:rPr lang="en-US" dirty="0" smtClean="0"/>
+              <a:t>Python calls C++</a:t>
+            </a:r>
+          </a:p>
+          <a:p>
+            <a:r>
+              <a:rPr lang="en-US" dirty="0" smtClean="0"/>
+              <a:t>Wrap C++ classes into python objects</a:t>
+            </a:r>
+          </a:p>
+          <a:p>
+            <a:pPr lvl="1"/>
+            <a:r>
+              <a:rPr lang="en-US" dirty="0" smtClean="0"/>
+              <a:t>Specify an interface definition for each module/class</a:t>
+            </a:r>
+            <a:endParaRPr lang="en-US" dirty="0"/>
+          </a:p>
+        </p:txBody>
+      </p:sp>
+    </p:spTree>
+    <p:extLst>
+      <p:ext uri="{BB962C8B-B14F-4D97-AF65-F5344CB8AC3E}">
+        <p14:creationId xmlns:p14="http://schemas.microsoft.com/office/powerpoint/2010/main" val="3747365274"/>
       </p:ext>
     </p:extLst>
   </p:cSld>
@@ -16356,6 +16725,674 @@
       </p:par>
     </p:tnLst>
   </p:timing>
+</p:sld>
+</file>
+
+<file path=ppt/slides/slide20.xml><?xml version="1.0" encoding="utf-8"?>
+<p:sld xmlns:a="http://schemas.openxmlformats.org/drawingml/2006/main" xmlns:r="http://schemas.openxmlformats.org/officeDocument/2006/relationships" xmlns:p="http://schemas.openxmlformats.org/presentationml/2006/main">
+  <p:cSld>
+    <p:spTree>
+      <p:nvGrpSpPr>
+        <p:cNvPr id="1" name=""/>
+        <p:cNvGrpSpPr/>
+        <p:nvPr/>
+      </p:nvGrpSpPr>
+      <p:grpSpPr>
+        <a:xfrm>
+          <a:off x="0" y="0"/>
+          <a:ext cx="0" cy="0"/>
+          <a:chOff x="0" y="0"/>
+          <a:chExt cx="0" cy="0"/>
+        </a:xfrm>
+      </p:grpSpPr>
+      <p:sp>
+        <p:nvSpPr>
+          <p:cNvPr id="2" name="Title 1"/>
+          <p:cNvSpPr>
+            <a:spLocks noGrp="1"/>
+          </p:cNvSpPr>
+          <p:nvPr>
+            <p:ph type="title"/>
+          </p:nvPr>
+        </p:nvSpPr>
+        <p:spPr/>
+        <p:txBody>
+          <a:bodyPr/>
+          <a:lstStyle/>
+          <a:p>
+            <a:r>
+              <a:rPr lang="en-US" dirty="0" smtClean="0"/>
+              <a:t>Regex</a:t>
+            </a:r>
+            <a:endParaRPr lang="en-US" dirty="0"/>
+          </a:p>
+        </p:txBody>
+      </p:sp>
+      <p:sp>
+        <p:nvSpPr>
+          <p:cNvPr id="3" name="Content Placeholder 2"/>
+          <p:cNvSpPr>
+            <a:spLocks noGrp="1"/>
+          </p:cNvSpPr>
+          <p:nvPr>
+            <p:ph idx="1"/>
+          </p:nvPr>
+        </p:nvSpPr>
+        <p:spPr/>
+        <p:txBody>
+          <a:bodyPr/>
+          <a:lstStyle/>
+          <a:p>
+            <a:r>
+              <a:rPr lang="en-US" dirty="0" smtClean="0"/>
+              <a:t>Create regex objects</a:t>
+            </a:r>
+          </a:p>
+          <a:p>
+            <a:r>
+              <a:rPr lang="en-US" dirty="0" smtClean="0"/>
+              <a:t>Match</a:t>
+            </a:r>
+          </a:p>
+          <a:p>
+            <a:r>
+              <a:rPr lang="en-US" dirty="0" smtClean="0"/>
+              <a:t>Replace </a:t>
+            </a:r>
+          </a:p>
+          <a:p>
+            <a:r>
+              <a:rPr lang="en-US" dirty="0" smtClean="0"/>
+              <a:t>Search</a:t>
+            </a:r>
+            <a:endParaRPr lang="en-US" dirty="0"/>
+          </a:p>
+          <a:p>
+            <a:r>
+              <a:rPr lang="en-US" dirty="0" smtClean="0"/>
+              <a:t>Perl (default), POSIX basic, and POSIX extended are all supported syntaxes</a:t>
+            </a:r>
+          </a:p>
+          <a:p>
+            <a:r>
+              <a:rPr lang="en-US" dirty="0" err="1" smtClean="0"/>
+              <a:t>Sed</a:t>
+            </a:r>
+            <a:r>
+              <a:rPr lang="en-US" dirty="0" smtClean="0"/>
+              <a:t>, Perl, and Boost-Extended replace formats</a:t>
+            </a:r>
+            <a:endParaRPr lang="en-US" dirty="0"/>
+          </a:p>
+        </p:txBody>
+      </p:sp>
+    </p:spTree>
+    <p:extLst>
+      <p:ext uri="{BB962C8B-B14F-4D97-AF65-F5344CB8AC3E}">
+        <p14:creationId xmlns:p14="http://schemas.microsoft.com/office/powerpoint/2010/main" val="2790431060"/>
+      </p:ext>
+    </p:extLst>
+  </p:cSld>
+  <p:clrMapOvr>
+    <a:masterClrMapping/>
+  </p:clrMapOvr>
+</p:sld>
+</file>
+
+<file path=ppt/slides/slide21.xml><?xml version="1.0" encoding="utf-8"?>
+<p:sld xmlns:a="http://schemas.openxmlformats.org/drawingml/2006/main" xmlns:r="http://schemas.openxmlformats.org/officeDocument/2006/relationships" xmlns:p="http://schemas.openxmlformats.org/presentationml/2006/main">
+  <p:cSld>
+    <p:spTree>
+      <p:nvGrpSpPr>
+        <p:cNvPr id="1" name=""/>
+        <p:cNvGrpSpPr/>
+        <p:nvPr/>
+      </p:nvGrpSpPr>
+      <p:grpSpPr>
+        <a:xfrm>
+          <a:off x="0" y="0"/>
+          <a:ext cx="0" cy="0"/>
+          <a:chOff x="0" y="0"/>
+          <a:chExt cx="0" cy="0"/>
+        </a:xfrm>
+      </p:grpSpPr>
+      <p:sp>
+        <p:nvSpPr>
+          <p:cNvPr id="2" name="Title 1"/>
+          <p:cNvSpPr>
+            <a:spLocks noGrp="1"/>
+          </p:cNvSpPr>
+          <p:nvPr>
+            <p:ph type="title"/>
+          </p:nvPr>
+        </p:nvSpPr>
+        <p:spPr/>
+        <p:txBody>
+          <a:bodyPr/>
+          <a:lstStyle/>
+          <a:p>
+            <a:r>
+              <a:rPr lang="en-US" dirty="0" err="1" smtClean="0"/>
+              <a:t>Iostreams</a:t>
+            </a:r>
+            <a:endParaRPr lang="en-US" dirty="0"/>
+          </a:p>
+        </p:txBody>
+      </p:sp>
+      <p:sp>
+        <p:nvSpPr>
+          <p:cNvPr id="3" name="Content Placeholder 2"/>
+          <p:cNvSpPr>
+            <a:spLocks noGrp="1"/>
+          </p:cNvSpPr>
+          <p:nvPr>
+            <p:ph idx="1"/>
+          </p:nvPr>
+        </p:nvSpPr>
+        <p:spPr>
+          <a:xfrm>
+            <a:off x="495300" y="2603500"/>
+            <a:ext cx="9485313" cy="3416300"/>
+          </a:xfrm>
+        </p:spPr>
+        <p:txBody>
+          <a:bodyPr/>
+          <a:lstStyle/>
+          <a:p>
+            <a:r>
+              <a:rPr lang="en-US" dirty="0" smtClean="0"/>
+              <a:t>Make pipelines to flow IO</a:t>
+            </a:r>
+          </a:p>
+          <a:p>
+            <a:r>
+              <a:rPr lang="en-US" dirty="0" smtClean="0"/>
+              <a:t>Sources, Input Filters, Output Filters, Sinks</a:t>
+            </a:r>
+          </a:p>
+          <a:p>
+            <a:r>
+              <a:rPr lang="en-US" dirty="0" smtClean="0"/>
+              <a:t>Combine multiple filters/sources/sinks</a:t>
+            </a:r>
+          </a:p>
+          <a:p>
+            <a:r>
+              <a:rPr lang="en-US" dirty="0" smtClean="0"/>
+              <a:t>Files, arrays, network streams, </a:t>
+            </a:r>
+            <a:r>
+              <a:rPr lang="en-US" dirty="0" err="1" smtClean="0"/>
+              <a:t>zlib</a:t>
+            </a:r>
+            <a:r>
+              <a:rPr lang="en-US" dirty="0" smtClean="0"/>
+              <a:t>/</a:t>
+            </a:r>
+            <a:r>
+              <a:rPr lang="en-US" dirty="0" err="1" smtClean="0"/>
+              <a:t>gzip</a:t>
+            </a:r>
+            <a:r>
+              <a:rPr lang="en-US" dirty="0" smtClean="0"/>
+              <a:t>/bzip2</a:t>
+            </a:r>
+          </a:p>
+          <a:p>
+            <a:r>
+              <a:rPr lang="en-US" dirty="0" smtClean="0"/>
+              <a:t>Hook to your own (e.g. TLS)</a:t>
+            </a:r>
+          </a:p>
+          <a:p>
+            <a:endParaRPr lang="en-US" dirty="0"/>
+          </a:p>
+        </p:txBody>
+      </p:sp>
+      <p:sp>
+        <p:nvSpPr>
+          <p:cNvPr id="4" name="TextBox 3"/>
+          <p:cNvSpPr txBox="1"/>
+          <p:nvPr/>
+        </p:nvSpPr>
+        <p:spPr>
+          <a:xfrm>
+            <a:off x="6343650" y="2834322"/>
+            <a:ext cx="6038850" cy="1477328"/>
+          </a:xfrm>
+          <a:prstGeom prst="rect">
+            <a:avLst/>
+          </a:prstGeom>
+          <a:noFill/>
+        </p:spPr>
+        <p:txBody>
+          <a:bodyPr wrap="square" rtlCol="0">
+            <a:spAutoFit/>
+          </a:bodyPr>
+          <a:lstStyle/>
+          <a:p>
+            <a:r>
+              <a:rPr lang="en-US" dirty="0" err="1">
+                <a:solidFill>
+                  <a:srgbClr val="000000"/>
+                </a:solidFill>
+                <a:highlight>
+                  <a:srgbClr val="FFFFFF"/>
+                </a:highlight>
+                <a:latin typeface="Consolas" panose="020B0609020204030204" pitchFamily="49" charset="0"/>
+              </a:rPr>
+              <a:t>io</a:t>
+            </a:r>
+            <a:r>
+              <a:rPr lang="en-US" dirty="0">
+                <a:solidFill>
+                  <a:srgbClr val="000000"/>
+                </a:solidFill>
+                <a:highlight>
+                  <a:srgbClr val="FFFFFF"/>
+                </a:highlight>
+                <a:latin typeface="Consolas" panose="020B0609020204030204" pitchFamily="49" charset="0"/>
+              </a:rPr>
+              <a:t>::</a:t>
+            </a:r>
+            <a:r>
+              <a:rPr lang="en-US" dirty="0" err="1">
+                <a:solidFill>
+                  <a:srgbClr val="000000"/>
+                </a:solidFill>
+                <a:highlight>
+                  <a:srgbClr val="FFFFFF"/>
+                </a:highlight>
+                <a:latin typeface="Consolas" panose="020B0609020204030204" pitchFamily="49" charset="0"/>
+              </a:rPr>
+              <a:t>filtering_ostream</a:t>
+            </a:r>
+            <a:r>
+              <a:rPr lang="en-US" dirty="0">
+                <a:solidFill>
+                  <a:srgbClr val="000000"/>
+                </a:solidFill>
+                <a:highlight>
+                  <a:srgbClr val="FFFFFF"/>
+                </a:highlight>
+                <a:latin typeface="Consolas" panose="020B0609020204030204" pitchFamily="49" charset="0"/>
+              </a:rPr>
+              <a:t> out;</a:t>
+            </a:r>
+          </a:p>
+          <a:p>
+            <a:r>
+              <a:rPr lang="en-US" dirty="0" err="1" smtClean="0">
+                <a:solidFill>
+                  <a:srgbClr val="000000"/>
+                </a:solidFill>
+                <a:highlight>
+                  <a:srgbClr val="FFFFFF"/>
+                </a:highlight>
+                <a:latin typeface="Consolas" panose="020B0609020204030204" pitchFamily="49" charset="0"/>
+              </a:rPr>
+              <a:t>out.push</a:t>
+            </a:r>
+            <a:r>
+              <a:rPr lang="en-US" dirty="0" smtClean="0">
+                <a:solidFill>
+                  <a:srgbClr val="000000"/>
+                </a:solidFill>
+                <a:highlight>
+                  <a:srgbClr val="FFFFFF"/>
+                </a:highlight>
+                <a:latin typeface="Consolas" panose="020B0609020204030204" pitchFamily="49" charset="0"/>
+              </a:rPr>
+              <a:t>(compressor</a:t>
+            </a:r>
+            <a:r>
+              <a:rPr lang="en-US" dirty="0">
+                <a:solidFill>
+                  <a:srgbClr val="000000"/>
+                </a:solidFill>
+                <a:highlight>
+                  <a:srgbClr val="FFFFFF"/>
+                </a:highlight>
+                <a:latin typeface="Consolas" panose="020B0609020204030204" pitchFamily="49" charset="0"/>
+              </a:rPr>
+              <a:t>());</a:t>
+            </a:r>
+          </a:p>
+          <a:p>
+            <a:r>
+              <a:rPr lang="en-US" dirty="0" err="1" smtClean="0">
+                <a:solidFill>
+                  <a:srgbClr val="000000"/>
+                </a:solidFill>
+                <a:highlight>
+                  <a:srgbClr val="FFFFFF"/>
+                </a:highlight>
+                <a:latin typeface="Consolas" panose="020B0609020204030204" pitchFamily="49" charset="0"/>
+              </a:rPr>
+              <a:t>out.push</a:t>
+            </a:r>
+            <a:r>
+              <a:rPr lang="en-US" dirty="0" smtClean="0">
+                <a:solidFill>
+                  <a:srgbClr val="000000"/>
+                </a:solidFill>
+                <a:highlight>
+                  <a:srgbClr val="FFFFFF"/>
+                </a:highlight>
+                <a:latin typeface="Consolas" panose="020B0609020204030204" pitchFamily="49" charset="0"/>
+              </a:rPr>
+              <a:t>(base64_encoder</a:t>
+            </a:r>
+            <a:r>
+              <a:rPr lang="en-US" dirty="0">
+                <a:solidFill>
+                  <a:srgbClr val="000000"/>
+                </a:solidFill>
+                <a:highlight>
+                  <a:srgbClr val="FFFFFF"/>
+                </a:highlight>
+                <a:latin typeface="Consolas" panose="020B0609020204030204" pitchFamily="49" charset="0"/>
+              </a:rPr>
+              <a:t>());</a:t>
+            </a:r>
+          </a:p>
+          <a:p>
+            <a:r>
+              <a:rPr lang="en-US" dirty="0" err="1" smtClean="0">
+                <a:solidFill>
+                  <a:srgbClr val="000000"/>
+                </a:solidFill>
+                <a:highlight>
+                  <a:srgbClr val="FFFFFF"/>
+                </a:highlight>
+                <a:latin typeface="Consolas" panose="020B0609020204030204" pitchFamily="49" charset="0"/>
+              </a:rPr>
+              <a:t>out.push</a:t>
+            </a:r>
+            <a:r>
+              <a:rPr lang="en-US" dirty="0" smtClean="0">
+                <a:solidFill>
+                  <a:srgbClr val="000000"/>
+                </a:solidFill>
+                <a:highlight>
+                  <a:srgbClr val="FFFFFF"/>
+                </a:highlight>
+                <a:latin typeface="Consolas" panose="020B0609020204030204" pitchFamily="49" charset="0"/>
+              </a:rPr>
+              <a:t>(</a:t>
+            </a:r>
+            <a:r>
+              <a:rPr lang="en-US" dirty="0" err="1" smtClean="0">
+                <a:solidFill>
+                  <a:srgbClr val="000000"/>
+                </a:solidFill>
+                <a:highlight>
+                  <a:srgbClr val="FFFFFF"/>
+                </a:highlight>
+                <a:latin typeface="Consolas" panose="020B0609020204030204" pitchFamily="49" charset="0"/>
+              </a:rPr>
+              <a:t>file_sink</a:t>
+            </a:r>
+            <a:r>
+              <a:rPr lang="en-US" dirty="0">
+                <a:solidFill>
+                  <a:srgbClr val="000000"/>
+                </a:solidFill>
+                <a:highlight>
+                  <a:srgbClr val="FFFFFF"/>
+                </a:highlight>
+                <a:latin typeface="Consolas" panose="020B0609020204030204" pitchFamily="49" charset="0"/>
+              </a:rPr>
+              <a:t>(</a:t>
+            </a:r>
+            <a:r>
+              <a:rPr lang="en-US" dirty="0">
+                <a:solidFill>
+                  <a:srgbClr val="A31515"/>
+                </a:solidFill>
+                <a:highlight>
+                  <a:srgbClr val="FFFFFF"/>
+                </a:highlight>
+                <a:latin typeface="Consolas" panose="020B0609020204030204" pitchFamily="49" charset="0"/>
+              </a:rPr>
+              <a:t>"my_file.txt"</a:t>
+            </a:r>
+            <a:r>
+              <a:rPr lang="en-US" dirty="0">
+                <a:solidFill>
+                  <a:srgbClr val="000000"/>
+                </a:solidFill>
+                <a:highlight>
+                  <a:srgbClr val="FFFFFF"/>
+                </a:highlight>
+                <a:latin typeface="Consolas" panose="020B0609020204030204" pitchFamily="49" charset="0"/>
+              </a:rPr>
+              <a:t>));</a:t>
+            </a:r>
+          </a:p>
+          <a:p>
+            <a:r>
+              <a:rPr lang="en-US" dirty="0" smtClean="0">
+                <a:solidFill>
+                  <a:srgbClr val="008000"/>
+                </a:solidFill>
+                <a:highlight>
+                  <a:srgbClr val="FFFFFF"/>
+                </a:highlight>
+                <a:latin typeface="Consolas" panose="020B0609020204030204" pitchFamily="49" charset="0"/>
+              </a:rPr>
+              <a:t>// </a:t>
+            </a:r>
+            <a:r>
+              <a:rPr lang="en-US" dirty="0">
+                <a:solidFill>
+                  <a:srgbClr val="008000"/>
+                </a:solidFill>
+                <a:highlight>
+                  <a:srgbClr val="FFFFFF"/>
+                </a:highlight>
+                <a:latin typeface="Consolas" panose="020B0609020204030204" pitchFamily="49" charset="0"/>
+              </a:rPr>
+              <a:t>write to out using </a:t>
+            </a:r>
+            <a:r>
+              <a:rPr lang="en-US" dirty="0" err="1">
+                <a:solidFill>
+                  <a:srgbClr val="008000"/>
+                </a:solidFill>
+                <a:highlight>
+                  <a:srgbClr val="FFFFFF"/>
+                </a:highlight>
+                <a:latin typeface="Consolas" panose="020B0609020204030204" pitchFamily="49" charset="0"/>
+              </a:rPr>
+              <a:t>std</a:t>
+            </a:r>
+            <a:r>
+              <a:rPr lang="en-US" dirty="0">
+                <a:solidFill>
+                  <a:srgbClr val="008000"/>
+                </a:solidFill>
+                <a:highlight>
+                  <a:srgbClr val="FFFFFF"/>
+                </a:highlight>
+                <a:latin typeface="Consolas" panose="020B0609020204030204" pitchFamily="49" charset="0"/>
+              </a:rPr>
+              <a:t>::</a:t>
+            </a:r>
+            <a:r>
+              <a:rPr lang="en-US" dirty="0" err="1">
+                <a:solidFill>
+                  <a:srgbClr val="008000"/>
+                </a:solidFill>
+                <a:highlight>
+                  <a:srgbClr val="FFFFFF"/>
+                </a:highlight>
+                <a:latin typeface="Consolas" panose="020B0609020204030204" pitchFamily="49" charset="0"/>
+              </a:rPr>
+              <a:t>ostream</a:t>
+            </a:r>
+            <a:r>
+              <a:rPr lang="en-US" dirty="0">
+                <a:solidFill>
+                  <a:srgbClr val="008000"/>
+                </a:solidFill>
+                <a:highlight>
+                  <a:srgbClr val="FFFFFF"/>
+                </a:highlight>
+                <a:latin typeface="Consolas" panose="020B0609020204030204" pitchFamily="49" charset="0"/>
+              </a:rPr>
+              <a:t> interface</a:t>
+            </a:r>
+            <a:endParaRPr lang="en-US" dirty="0"/>
+          </a:p>
+        </p:txBody>
+      </p:sp>
+    </p:spTree>
+    <p:extLst>
+      <p:ext uri="{BB962C8B-B14F-4D97-AF65-F5344CB8AC3E}">
+        <p14:creationId xmlns:p14="http://schemas.microsoft.com/office/powerpoint/2010/main" val="3604893667"/>
+      </p:ext>
+    </p:extLst>
+  </p:cSld>
+  <p:clrMapOvr>
+    <a:masterClrMapping/>
+  </p:clrMapOvr>
+</p:sld>
+</file>
+
+<file path=ppt/slides/slide22.xml><?xml version="1.0" encoding="utf-8"?>
+<p:sld xmlns:a="http://schemas.openxmlformats.org/drawingml/2006/main" xmlns:r="http://schemas.openxmlformats.org/officeDocument/2006/relationships" xmlns:p="http://schemas.openxmlformats.org/presentationml/2006/main">
+  <p:cSld>
+    <p:spTree>
+      <p:nvGrpSpPr>
+        <p:cNvPr id="1" name=""/>
+        <p:cNvGrpSpPr/>
+        <p:nvPr/>
+      </p:nvGrpSpPr>
+      <p:grpSpPr>
+        <a:xfrm>
+          <a:off x="0" y="0"/>
+          <a:ext cx="0" cy="0"/>
+          <a:chOff x="0" y="0"/>
+          <a:chExt cx="0" cy="0"/>
+        </a:xfrm>
+      </p:grpSpPr>
+      <p:sp>
+        <p:nvSpPr>
+          <p:cNvPr id="2" name="Title 1"/>
+          <p:cNvSpPr>
+            <a:spLocks noGrp="1"/>
+          </p:cNvSpPr>
+          <p:nvPr>
+            <p:ph type="title"/>
+          </p:nvPr>
+        </p:nvSpPr>
+        <p:spPr/>
+        <p:txBody>
+          <a:bodyPr/>
+          <a:lstStyle/>
+          <a:p>
+            <a:r>
+              <a:rPr lang="en-US" dirty="0" smtClean="0"/>
+              <a:t>Links</a:t>
+            </a:r>
+            <a:endParaRPr lang="en-US" dirty="0"/>
+          </a:p>
+        </p:txBody>
+      </p:sp>
+      <p:sp>
+        <p:nvSpPr>
+          <p:cNvPr id="3" name="Content Placeholder 2"/>
+          <p:cNvSpPr>
+            <a:spLocks noGrp="1"/>
+          </p:cNvSpPr>
+          <p:nvPr>
+            <p:ph idx="1"/>
+          </p:nvPr>
+        </p:nvSpPr>
+        <p:spPr/>
+        <p:txBody>
+          <a:bodyPr/>
+          <a:lstStyle/>
+          <a:p>
+            <a:r>
+              <a:rPr lang="en-US" dirty="0" smtClean="0"/>
+              <a:t>Boost Site:</a:t>
+            </a:r>
+            <a:br>
+              <a:rPr lang="en-US" dirty="0" smtClean="0"/>
+            </a:br>
+            <a:r>
+              <a:rPr lang="en-US" dirty="0" smtClean="0">
+                <a:hlinkClick r:id="rId2"/>
+              </a:rPr>
+              <a:t>http://www.boost.org</a:t>
+            </a:r>
+            <a:endParaRPr lang="en-US" dirty="0" smtClean="0"/>
+          </a:p>
+          <a:p>
+            <a:r>
+              <a:rPr lang="en-US" dirty="0"/>
+              <a:t>Boost Book</a:t>
+            </a:r>
+            <a:br>
+              <a:rPr lang="en-US" dirty="0"/>
+            </a:br>
+            <a:r>
+              <a:rPr lang="en-US" dirty="0">
+                <a:hlinkClick r:id="rId3"/>
+              </a:rPr>
+              <a:t>http://theboostcpplibraries.com</a:t>
+            </a:r>
+            <a:r>
+              <a:rPr lang="en-US" dirty="0" smtClean="0">
+                <a:hlinkClick r:id="rId3"/>
+              </a:rPr>
+              <a:t>/</a:t>
+            </a:r>
+            <a:endParaRPr lang="en-US" dirty="0" smtClean="0"/>
+          </a:p>
+          <a:p>
+            <a:r>
+              <a:rPr lang="en-US" dirty="0" smtClean="0"/>
+              <a:t>Good Boost </a:t>
+            </a:r>
+            <a:r>
+              <a:rPr lang="en-US" dirty="0"/>
+              <a:t>Test Tutorial</a:t>
+            </a:r>
+            <a:br>
+              <a:rPr lang="en-US" dirty="0"/>
+            </a:br>
+            <a:r>
+              <a:rPr lang="en-US" dirty="0">
+                <a:hlinkClick r:id="rId4"/>
+              </a:rPr>
+              <a:t>https://legalizeadulthood.wordpress.com/2009/07/04/c-unit-tests-with-boost-test-part-1</a:t>
+            </a:r>
+            <a:r>
+              <a:rPr lang="en-US" dirty="0" smtClean="0">
+                <a:hlinkClick r:id="rId4"/>
+              </a:rPr>
+              <a:t>/</a:t>
+            </a:r>
+            <a:endParaRPr lang="en-US" dirty="0" smtClean="0"/>
+          </a:p>
+          <a:p>
+            <a:endParaRPr lang="en-US" dirty="0"/>
+          </a:p>
+        </p:txBody>
+      </p:sp>
+    </p:spTree>
+    <p:extLst>
+      <p:ext uri="{BB962C8B-B14F-4D97-AF65-F5344CB8AC3E}">
+        <p14:creationId xmlns:p14="http://schemas.microsoft.com/office/powerpoint/2010/main" val="2693375686"/>
+      </p:ext>
+    </p:extLst>
+  </p:cSld>
+  <p:clrMapOvr>
+    <a:masterClrMapping/>
+  </p:clrMapOvr>
 </p:sld>
 </file>
 
@@ -16688,8 +17725,8 @@
         </p:nvSpPr>
         <p:spPr/>
         <p:txBody>
-          <a:bodyPr numCol="3">
-            <a:normAutofit/>
+          <a:bodyPr numCol="2">
+            <a:normAutofit lnSpcReduction="10000"/>
           </a:bodyPr>
           <a:lstStyle/>
           <a:p>
@@ -16762,9 +17799,24 @@
           </a:p>
           <a:p>
             <a:r>
+              <a:rPr lang="en-US" dirty="0"/>
+              <a:t>Endian</a:t>
+            </a:r>
+          </a:p>
+          <a:p>
+            <a:r>
+              <a:rPr lang="en-US" dirty="0" err="1" smtClean="0"/>
+              <a:t>Chrono</a:t>
+            </a:r>
+            <a:r>
               <a:rPr lang="en-US" dirty="0" smtClean="0"/>
-              <a:t>Endian</a:t>
-            </a:r>
+              <a:t>/</a:t>
+            </a:r>
+            <a:r>
+              <a:rPr lang="en-US" dirty="0" err="1" smtClean="0"/>
+              <a:t>DateTime</a:t>
+            </a:r>
+            <a:endParaRPr lang="en-US" dirty="0" smtClean="0"/>
           </a:p>
           <a:p>
             <a:r>
@@ -16774,23 +17826,10 @@
           </a:p>
           <a:p>
             <a:r>
-              <a:rPr lang="en-US" dirty="0" err="1" smtClean="0"/>
-              <a:t>uBLAS</a:t>
-            </a:r>
-            <a:endParaRPr lang="en-US" dirty="0" smtClean="0"/>
-          </a:p>
-          <a:p>
-            <a:r>
-              <a:rPr lang="en-US" dirty="0" err="1" smtClean="0"/>
-              <a:t>Chrono</a:t>
-            </a:r>
-            <a:endParaRPr lang="en-US" dirty="0" smtClean="0"/>
-          </a:p>
-          <a:p>
-            <a:r>
               <a:rPr lang="en-US" dirty="0" smtClean="0"/>
               <a:t>Python</a:t>
             </a:r>
+            <a:endParaRPr lang="en-US" dirty="0" smtClean="0"/>
           </a:p>
           <a:p>
             <a:r>

--- a/Boost.pptx
+++ b/Boost.pptx
@@ -469,7 +469,7 @@
             <a:fld id="{5923F103-BC34-4FE4-A40E-EDDEECFDA5D0}" type="datetimeFigureOut">
               <a:rPr lang="en-US" dirty="0"/>
               <a:pPr/>
-              <a:t>7/29/2016</a:t>
+              <a:t>8/4/2016</a:t>
             </a:fld>
             <a:endParaRPr lang="en-US" dirty="0"/>
           </a:p>
@@ -1557,7 +1557,7 @@
           <a:p>
             <a:fld id="{923A1CC3-2375-41D4-9E03-427CAF2A4C1A}" type="datetimeFigureOut">
               <a:rPr lang="en-US" dirty="0"/>
-              <a:t>7/29/2016</a:t>
+              <a:t>8/4/2016</a:t>
             </a:fld>
             <a:endParaRPr lang="en-US" dirty="0"/>
           </a:p>
@@ -2537,7 +2537,7 @@
           <a:p>
             <a:fld id="{AFF16868-8199-4C2C-A5B1-63AEE139F88E}" type="datetimeFigureOut">
               <a:rPr lang="en-US" dirty="0"/>
-              <a:t>7/29/2016</a:t>
+              <a:t>8/4/2016</a:t>
             </a:fld>
             <a:endParaRPr lang="en-US" dirty="0"/>
           </a:p>
@@ -3671,7 +3671,7 @@
           <a:p>
             <a:fld id="{AAD9FF7F-6988-44CC-821B-644E70CD2F73}" type="datetimeFigureOut">
               <a:rPr lang="en-US" dirty="0"/>
-              <a:t>7/29/2016</a:t>
+              <a:t>8/4/2016</a:t>
             </a:fld>
             <a:endParaRPr lang="en-US" dirty="0"/>
           </a:p>
@@ -4704,7 +4704,7 @@
           <a:p>
             <a:fld id="{5C12C299-16B2-4475-990D-751901EACC14}" type="datetimeFigureOut">
               <a:rPr lang="en-US" dirty="0"/>
-              <a:t>7/29/2016</a:t>
+              <a:t>8/4/2016</a:t>
             </a:fld>
             <a:endParaRPr lang="en-US" dirty="0"/>
           </a:p>
@@ -5364,7 +5364,7 @@
           <a:p>
             <a:fld id="{9FE86839-B9D8-4651-8783-F325ECE74E65}" type="datetimeFigureOut">
               <a:rPr lang="en-US" dirty="0"/>
-              <a:t>7/29/2016</a:t>
+              <a:t>8/4/2016</a:t>
             </a:fld>
             <a:endParaRPr lang="en-US" dirty="0"/>
           </a:p>
@@ -6225,7 +6225,7 @@
           <a:p>
             <a:fld id="{FD484F64-32F6-45C5-931F-ADC1662401D0}" type="datetimeFigureOut">
               <a:rPr lang="en-US" dirty="0"/>
-              <a:t>7/29/2016</a:t>
+              <a:t>8/4/2016</a:t>
             </a:fld>
             <a:endParaRPr lang="en-US" dirty="0"/>
           </a:p>
@@ -6415,7 +6415,7 @@
           <a:p>
             <a:fld id="{53086D93-FCAC-47E0-A2EE-787E62CA814C}" type="datetimeFigureOut">
               <a:rPr lang="en-US" dirty="0"/>
-              <a:t>7/29/2016</a:t>
+              <a:t>8/4/2016</a:t>
             </a:fld>
             <a:endParaRPr lang="en-US" dirty="0"/>
           </a:p>
@@ -7387,7 +7387,7 @@
           <a:p>
             <a:fld id="{CDA879A6-0FD0-4734-A311-86BFCA472E6E}" type="datetimeFigureOut">
               <a:rPr lang="en-US" dirty="0"/>
-              <a:t>7/29/2016</a:t>
+              <a:t>8/4/2016</a:t>
             </a:fld>
             <a:endParaRPr lang="en-US" dirty="0"/>
           </a:p>
@@ -7598,7 +7598,7 @@
           <a:p>
             <a:fld id="{19C9CA7B-DFD4-44B5-8C60-D14B8CD1FB59}" type="datetimeFigureOut">
               <a:rPr lang="en-US" dirty="0"/>
-              <a:t>7/29/2016</a:t>
+              <a:t>8/4/2016</a:t>
             </a:fld>
             <a:endParaRPr lang="en-US" dirty="0"/>
           </a:p>
@@ -8632,7 +8632,7 @@
           <a:p>
             <a:fld id="{F34E6425-0181-43F2-84FC-787E803FD2F8}" type="datetimeFigureOut">
               <a:rPr lang="en-US" dirty="0"/>
-              <a:t>7/29/2016</a:t>
+              <a:t>8/4/2016</a:t>
             </a:fld>
             <a:endParaRPr lang="en-US" dirty="0"/>
           </a:p>
@@ -8904,7 +8904,7 @@
           <a:p>
             <a:fld id="{3BDB8791-F1B0-41E7-B7FD-A781E65C4266}" type="datetimeFigureOut">
               <a:rPr lang="en-US" dirty="0"/>
-              <a:t>7/29/2016</a:t>
+              <a:t>8/4/2016</a:t>
             </a:fld>
             <a:endParaRPr lang="en-US" dirty="0"/>
           </a:p>
@@ -9314,7 +9314,7 @@
           <a:p>
             <a:fld id="{5FDD63B2-E120-4ED8-B27B-C685F510A5FE}" type="datetimeFigureOut">
               <a:rPr lang="en-US" dirty="0"/>
-              <a:t>7/29/2016</a:t>
+              <a:t>8/4/2016</a:t>
             </a:fld>
             <a:endParaRPr lang="en-US" dirty="0"/>
           </a:p>
@@ -9441,7 +9441,7 @@
           <a:p>
             <a:fld id="{7AA18ACC-A947-437B-A130-35BD54FDF1E9}" type="datetimeFigureOut">
               <a:rPr lang="en-US" dirty="0"/>
-              <a:t>7/29/2016</a:t>
+              <a:t>8/4/2016</a:t>
             </a:fld>
             <a:endParaRPr lang="en-US" dirty="0"/>
           </a:p>
@@ -9536,7 +9536,7 @@
           <a:p>
             <a:fld id="{7C8D7E02-BCB8-4D50-A234-369438C08659}" type="datetimeFigureOut">
               <a:rPr lang="en-US" dirty="0"/>
-              <a:t>7/29/2016</a:t>
+              <a:t>8/4/2016</a:t>
             </a:fld>
             <a:endParaRPr lang="en-US" dirty="0"/>
           </a:p>
@@ -10617,7 +10617,7 @@
           <a:p>
             <a:fld id="{76E86A4C-8E40-4F87-A4F0-01A0687C5742}" type="datetimeFigureOut">
               <a:rPr lang="en-US" dirty="0"/>
-              <a:t>7/29/2016</a:t>
+              <a:t>8/4/2016</a:t>
             </a:fld>
             <a:endParaRPr lang="en-US" dirty="0"/>
           </a:p>
@@ -11725,7 +11725,7 @@
           <a:p>
             <a:fld id="{35E72C73-2D91-4E12-BA25-F0AA0C03599B}" type="datetimeFigureOut">
               <a:rPr lang="en-US" dirty="0"/>
-              <a:t>7/29/2016</a:t>
+              <a:t>8/4/2016</a:t>
             </a:fld>
             <a:endParaRPr lang="en-US" dirty="0"/>
           </a:p>
@@ -12722,7 +12722,7 @@
           <a:p>
             <a:fld id="{2BE451C3-0FF4-47C4-B829-773ADF60F88C}" type="datetimeFigureOut">
               <a:rPr lang="en-US" dirty="0"/>
-              <a:t>7/29/2016</a:t>
+              <a:t>8/4/2016</a:t>
             </a:fld>
             <a:endParaRPr lang="en-US" dirty="0"/>
           </a:p>
@@ -15599,12 +15599,12 @@
           <a:p>
             <a:pPr lvl="1"/>
             <a:r>
-              <a:rPr lang="en-US" dirty="0" err="1" smtClean="0"/>
-              <a:t>Absoltue</a:t>
-            </a:r>
-            <a:r>
               <a:rPr lang="en-US" dirty="0" smtClean="0"/>
-              <a:t> or relative</a:t>
+              <a:t>Absolute </a:t>
+            </a:r>
+            <a:r>
+              <a:rPr lang="en-US" dirty="0" smtClean="0"/>
+              <a:t>or relative</a:t>
             </a:r>
           </a:p>
           <a:p>
@@ -15625,12 +15625,12 @@
           <a:p>
             <a:pPr lvl="1"/>
             <a:r>
-              <a:rPr lang="en-US" dirty="0" err="1" smtClean="0"/>
-              <a:t>Determin</a:t>
+              <a:rPr lang="en-US" smtClean="0"/>
+              <a:t>Determine </a:t>
             </a:r>
             <a:r>
               <a:rPr lang="en-US" dirty="0" smtClean="0"/>
-              <a:t> if path is file, directory, or link</a:t>
+              <a:t>if path is file, directory, or link</a:t>
             </a:r>
           </a:p>
           <a:p>
@@ -17829,7 +17829,6 @@
               <a:rPr lang="en-US" dirty="0" smtClean="0"/>
               <a:t>Python</a:t>
             </a:r>
-            <a:endParaRPr lang="en-US" dirty="0" smtClean="0"/>
           </a:p>
           <a:p>
             <a:r>
